--- a/hbase ORM framework - Simplehbase0.5 Getting Started in 3 minutes.pptx
+++ b/hbase ORM framework - Simplehbase0.5 Getting Started in 3 minutes.pptx
@@ -353,7 +353,7 @@
           <a:p>
             <a:fld id="{530820CF-B880-4189-942D-D702A7CBA730}" type="datetimeFigureOut">
               <a:rPr lang="zh-CN" altLang="en-US" smtClean="0"/>
-              <a:t>2014/3/4</a:t>
+              <a:t>2014/3/14</a:t>
             </a:fld>
             <a:endParaRPr lang="zh-CN" altLang="en-US"/>
           </a:p>
@@ -631,7 +631,7 @@
           <a:p>
             <a:fld id="{530820CF-B880-4189-942D-D702A7CBA730}" type="datetimeFigureOut">
               <a:rPr lang="zh-CN" altLang="en-US" smtClean="0"/>
-              <a:t>2014/3/4</a:t>
+              <a:t>2014/3/14</a:t>
             </a:fld>
             <a:endParaRPr lang="zh-CN" altLang="en-US"/>
           </a:p>
@@ -854,7 +854,7 @@
           <a:p>
             <a:fld id="{530820CF-B880-4189-942D-D702A7CBA730}" type="datetimeFigureOut">
               <a:rPr lang="zh-CN" altLang="en-US" smtClean="0"/>
-              <a:t>2014/3/4</a:t>
+              <a:t>2014/3/14</a:t>
             </a:fld>
             <a:endParaRPr lang="zh-CN" altLang="en-US"/>
           </a:p>
@@ -1049,7 +1049,7 @@
           <a:p>
             <a:fld id="{530820CF-B880-4189-942D-D702A7CBA730}" type="datetimeFigureOut">
               <a:rPr lang="zh-CN" altLang="en-US" smtClean="0"/>
-              <a:t>2014/3/4</a:t>
+              <a:t>2014/3/14</a:t>
             </a:fld>
             <a:endParaRPr lang="zh-CN" altLang="en-US"/>
           </a:p>
@@ -1329,7 +1329,7 @@
           <a:p>
             <a:fld id="{530820CF-B880-4189-942D-D702A7CBA730}" type="datetimeFigureOut">
               <a:rPr lang="zh-CN" altLang="en-US" smtClean="0"/>
-              <a:t>2014/3/4</a:t>
+              <a:t>2014/3/14</a:t>
             </a:fld>
             <a:endParaRPr lang="zh-CN" altLang="en-US"/>
           </a:p>
@@ -1802,7 +1802,7 @@
           <a:p>
             <a:fld id="{530820CF-B880-4189-942D-D702A7CBA730}" type="datetimeFigureOut">
               <a:rPr lang="zh-CN" altLang="en-US" smtClean="0"/>
-              <a:t>2014/3/4</a:t>
+              <a:t>2014/3/14</a:t>
             </a:fld>
             <a:endParaRPr lang="zh-CN" altLang="en-US"/>
           </a:p>
@@ -2257,7 +2257,7 @@
           <a:p>
             <a:fld id="{530820CF-B880-4189-942D-D702A7CBA730}" type="datetimeFigureOut">
               <a:rPr lang="zh-CN" altLang="en-US" smtClean="0"/>
-              <a:t>2014/3/4</a:t>
+              <a:t>2014/3/14</a:t>
             </a:fld>
             <a:endParaRPr lang="zh-CN" altLang="en-US"/>
           </a:p>
@@ -2395,7 +2395,7 @@
           <a:p>
             <a:fld id="{530820CF-B880-4189-942D-D702A7CBA730}" type="datetimeFigureOut">
               <a:rPr lang="zh-CN" altLang="en-US" smtClean="0"/>
-              <a:t>2014/3/4</a:t>
+              <a:t>2014/3/14</a:t>
             </a:fld>
             <a:endParaRPr lang="zh-CN" altLang="en-US"/>
           </a:p>
@@ -2556,7 +2556,7 @@
           <a:p>
             <a:fld id="{530820CF-B880-4189-942D-D702A7CBA730}" type="datetimeFigureOut">
               <a:rPr lang="zh-CN" altLang="en-US" smtClean="0"/>
-              <a:t>2014/3/4</a:t>
+              <a:t>2014/3/14</a:t>
             </a:fld>
             <a:endParaRPr lang="zh-CN" altLang="en-US"/>
           </a:p>
@@ -2950,7 +2950,7 @@
           <a:p>
             <a:fld id="{530820CF-B880-4189-942D-D702A7CBA730}" type="datetimeFigureOut">
               <a:rPr lang="zh-CN" altLang="en-US" smtClean="0"/>
-              <a:t>2014/3/4</a:t>
+              <a:t>2014/3/14</a:t>
             </a:fld>
             <a:endParaRPr lang="zh-CN" altLang="en-US"/>
           </a:p>
@@ -3350,7 +3350,7 @@
           <a:p>
             <a:fld id="{530820CF-B880-4189-942D-D702A7CBA730}" type="datetimeFigureOut">
               <a:rPr lang="zh-CN" altLang="en-US" smtClean="0"/>
-              <a:t>2014/3/4</a:t>
+              <a:t>2014/3/14</a:t>
             </a:fld>
             <a:endParaRPr lang="zh-CN" altLang="en-US"/>
           </a:p>
@@ -3560,7 +3560,7 @@
           <a:p>
             <a:fld id="{530820CF-B880-4189-942D-D702A7CBA730}" type="datetimeFigureOut">
               <a:rPr lang="zh-CN" altLang="en-US" smtClean="0"/>
-              <a:t>2014/3/4</a:t>
+              <a:t>2014/3/14</a:t>
             </a:fld>
             <a:endParaRPr lang="zh-CN" altLang="en-US"/>
           </a:p>
@@ -5315,7 +5315,7 @@
       </p:sp>
       <p:pic>
         <p:nvPicPr>
-          <p:cNvPr id="6146" name="Picture 2"/>
+          <p:cNvPr id="1026" name="Picture 2"/>
           <p:cNvPicPr>
             <a:picLocks noChangeAspect="1" noChangeArrowheads="1"/>
           </p:cNvPicPr>
@@ -5336,8 +5336,8 @@
         </p:blipFill>
         <p:spPr bwMode="auto">
           <a:xfrm>
-            <a:off x="611560" y="1556792"/>
-            <a:ext cx="5472608" cy="5120294"/>
+            <a:off x="539552" y="1556792"/>
+            <a:ext cx="7239000" cy="4667250"/>
           </a:xfrm>
           <a:prstGeom prst="rect">
             <a:avLst/>
